--- a/01_NotasDeClase/Fundamentos_MPT_0.pptx
+++ b/01_NotasDeClase/Fundamentos_MPT_0.pptx
@@ -1291,7 +1291,7 @@
           <a:p>
             <a:fld id="{D631C8C2-1392-426E-B415-A23C6F7DB8E5}" type="datetimeFigureOut">
               <a:rPr lang="es-PE" smtClean="0"/>
-              <a:t>2025-03-18</a:t>
+              <a:t>2025-03-26</a:t>
             </a:fld>
             <a:endParaRPr lang="es-PE"/>
           </a:p>
@@ -2453,7 +2453,7 @@
           <a:p>
             <a:fld id="{0EABFF71-97C7-48C7-8AF5-7AA2D433E312}" type="datetime1">
               <a:rPr lang="es-PE" smtClean="0"/>
-              <a:t>2025-03-18</a:t>
+              <a:t>2025-03-26</a:t>
             </a:fld>
             <a:endParaRPr lang="es-PE"/>
           </a:p>
@@ -8758,16 +8758,13 @@
             </a:pPr>
             <a:r>
               <a:rPr lang="es-MX" b="0" dirty="0"/>
-              <a:t>Éste es un curso esencialmente aplicado: John Aguirre se encargará de ilustrar los procedimientos diseñados a reproducir un ejercicio de toma de decisión de política monetaria. Para ello se simulan distintos choques macroeconómicos y las respuestas de política monetaria. Se utiliza la plataforma </a:t>
-            </a:r>
-            <a:r>
-              <a:rPr lang="es-MX" b="0" dirty="0" err="1"/>
-              <a:t>Dynare</a:t>
-            </a:r>
-            <a:r>
-              <a:rPr lang="es-MX" b="0" dirty="0"/>
-              <a:t> en Matlab/Octave.</a:t>
-            </a:r>
+              <a:t>Éste es un curso esencialmente aplicado: John Aguirre se encargará de ilustrar los procedimientos diseñados a reproducir un ejercicio de toma de decisión de política monetaria. Para ello se simulan distintos choques macroeconómicos y las respuestas de política monetaria. Se utilizan librerías desarrolladas </a:t>
+            </a:r>
+            <a:r>
+              <a:rPr lang="es-MX" b="0"/>
+              <a:t>en Python.</a:t>
+            </a:r>
+            <a:endParaRPr lang="es-MX" b="0" dirty="0"/>
           </a:p>
           <a:p>
             <a:pPr algn="just"/>
@@ -9193,15 +9190,16 @@
             </a:r>
             <a:r>
               <a:rPr lang="es-PE" dirty="0"/>
-              <a:t>. D. Fernando Perez</a:t>
+              <a:t>. D. Marco Vega</a:t>
             </a:r>
             <a:br>
               <a:rPr lang="es-PE" dirty="0"/>
             </a:br>
             <a:r>
               <a:rPr lang="es-PE" sz="1600" b="0" dirty="0"/>
-              <a:t>Subgerente de Diseño de Política Monetaria</a:t>
-            </a:r>
+              <a:t>Subgerente de Investigación</a:t>
+            </a:r>
+            <a:endParaRPr lang="es-PE" dirty="0"/>
           </a:p>
           <a:p>
             <a:pPr marL="285750" indent="-285750">
@@ -9214,16 +9212,15 @@
             </a:r>
             <a:r>
               <a:rPr lang="es-PE" dirty="0"/>
-              <a:t>. D. Marco Vega</a:t>
+              <a:t>. D. Gonzalo Llosa</a:t>
             </a:r>
             <a:br>
               <a:rPr lang="es-PE" dirty="0"/>
             </a:br>
             <a:r>
               <a:rPr lang="es-PE" sz="1600" b="0" dirty="0"/>
-              <a:t>Subgerente de Investigación</a:t>
-            </a:r>
-            <a:endParaRPr lang="es-PE" dirty="0"/>
+              <a:t>Supervisor líder de Investigación económica</a:t>
+            </a:r>
           </a:p>
           <a:p>
             <a:pPr marL="285750" indent="-285750">
@@ -10843,6 +10840,26 @@
 </file>
 
 <file path=customXml/item1.xml><?xml version="1.0" encoding="utf-8"?>
+<p:properties xmlns:p="http://schemas.microsoft.com/office/2006/metadata/properties" xmlns:xsi="http://www.w3.org/2001/XMLSchema-instance" xmlns:pc="http://schemas.microsoft.com/office/infopath/2007/PartnerControls">
+  <documentManagement>
+    <lcf76f155ced4ddcb4097134ff3c332f xmlns="e317b0e9-28fd-415b-9d0c-f3a0f6f6407d">
+      <Terms xmlns="http://schemas.microsoft.com/office/infopath/2007/PartnerControls"/>
+    </lcf76f155ced4ddcb4097134ff3c332f>
+    <TaxCatchAll xmlns="3af99e43-9d1b-47f0-a012-42c2c9480d00" xsi:nil="true"/>
+  </documentManagement>
+</p:properties>
+</file>
+
+<file path=customXml/item2.xml><?xml version="1.0" encoding="utf-8"?>
+<?mso-contentType ?>
+<FormTemplates xmlns="http://schemas.microsoft.com/sharepoint/v3/contenttype/forms">
+  <Display>DocumentLibraryForm</Display>
+  <Edit>DocumentLibraryForm</Edit>
+  <New>DocumentLibraryForm</New>
+</FormTemplates>
+</file>
+
+<file path=customXml/item3.xml><?xml version="1.0" encoding="utf-8"?>
 <ct:contentTypeSchema xmlns:ct="http://schemas.microsoft.com/office/2006/metadata/contentType" xmlns:ma="http://schemas.microsoft.com/office/2006/metadata/properties/metaAttributes" ct:_="" ma:_="" ma:contentTypeName="Documento" ma:contentTypeID="0x010100A95F695341A2644683A40A4AE0B8881B" ma:contentTypeVersion="14" ma:contentTypeDescription="Crear nuevo documento." ma:contentTypeScope="" ma:versionID="c6d0481b202fb9895a69f59a54378a64">
   <xsd:schema xmlns:xsd="http://www.w3.org/2001/XMLSchema" xmlns:xs="http://www.w3.org/2001/XMLSchema" xmlns:p="http://schemas.microsoft.com/office/2006/metadata/properties" xmlns:ns2="e317b0e9-28fd-415b-9d0c-f3a0f6f6407d" xmlns:ns3="3af99e43-9d1b-47f0-a012-42c2c9480d00" targetNamespace="http://schemas.microsoft.com/office/2006/metadata/properties" ma:root="true" ma:fieldsID="096c6b007b696167ce19ffe8ae0d3395" ns2:_="" ns3:_="">
     <xsd:import namespace="e317b0e9-28fd-415b-9d0c-f3a0f6f6407d"/>
@@ -11071,54 +11088,7 @@
 </ct:contentTypeSchema>
 </file>
 
-<file path=customXml/item2.xml><?xml version="1.0" encoding="utf-8"?>
-<?mso-contentType ?>
-<FormTemplates xmlns="http://schemas.microsoft.com/sharepoint/v3/contenttype/forms">
-  <Display>DocumentLibraryForm</Display>
-  <Edit>DocumentLibraryForm</Edit>
-  <New>DocumentLibraryForm</New>
-</FormTemplates>
-</file>
-
-<file path=customXml/item3.xml><?xml version="1.0" encoding="utf-8"?>
-<p:properties xmlns:p="http://schemas.microsoft.com/office/2006/metadata/properties" xmlns:xsi="http://www.w3.org/2001/XMLSchema-instance" xmlns:pc="http://schemas.microsoft.com/office/infopath/2007/PartnerControls">
-  <documentManagement>
-    <lcf76f155ced4ddcb4097134ff3c332f xmlns="e317b0e9-28fd-415b-9d0c-f3a0f6f6407d">
-      <Terms xmlns="http://schemas.microsoft.com/office/infopath/2007/PartnerControls"/>
-    </lcf76f155ced4ddcb4097134ff3c332f>
-    <TaxCatchAll xmlns="3af99e43-9d1b-47f0-a012-42c2c9480d00" xsi:nil="true"/>
-  </documentManagement>
-</p:properties>
-</file>
-
 <file path=customXml/itemProps1.xml><?xml version="1.0" encoding="utf-8"?>
-<ds:datastoreItem xmlns:ds="http://schemas.openxmlformats.org/officeDocument/2006/customXml" ds:itemID="{A3206651-41BC-438C-AC42-722C04C4F8DF}">
-  <ds:schemaRefs>
-    <ds:schemaRef ds:uri="http://schemas.microsoft.com/office/2006/metadata/contentType"/>
-    <ds:schemaRef ds:uri="http://schemas.microsoft.com/office/2006/metadata/properties/metaAttributes"/>
-    <ds:schemaRef ds:uri="http://www.w3.org/2001/XMLSchema"/>
-    <ds:schemaRef ds:uri="http://schemas.microsoft.com/office/2006/metadata/properties"/>
-    <ds:schemaRef ds:uri="e317b0e9-28fd-415b-9d0c-f3a0f6f6407d"/>
-    <ds:schemaRef ds:uri="3af99e43-9d1b-47f0-a012-42c2c9480d00"/>
-    <ds:schemaRef ds:uri="http://schemas.microsoft.com/office/2006/documentManagement/types"/>
-    <ds:schemaRef ds:uri="http://schemas.microsoft.com/office/infopath/2007/PartnerControls"/>
-    <ds:schemaRef ds:uri="http://schemas.openxmlformats.org/package/2006/metadata/core-properties"/>
-    <ds:schemaRef ds:uri="http://purl.org/dc/elements/1.1/"/>
-    <ds:schemaRef ds:uri="http://purl.org/dc/terms/"/>
-    <ds:schemaRef ds:uri="http://schemas.microsoft.com/internal/obd"/>
-  </ds:schemaRefs>
-</ds:datastoreItem>
-</file>
-
-<file path=customXml/itemProps2.xml><?xml version="1.0" encoding="utf-8"?>
-<ds:datastoreItem xmlns:ds="http://schemas.openxmlformats.org/officeDocument/2006/customXml" ds:itemID="{59A9C3E0-BF9D-4BC7-B6D2-E6694BD6AA81}">
-  <ds:schemaRefs>
-    <ds:schemaRef ds:uri="http://schemas.microsoft.com/sharepoint/v3/contenttype/forms"/>
-  </ds:schemaRefs>
-</ds:datastoreItem>
-</file>
-
-<file path=customXml/itemProps3.xml><?xml version="1.0" encoding="utf-8"?>
 <ds:datastoreItem xmlns:ds="http://schemas.openxmlformats.org/officeDocument/2006/customXml" ds:itemID="{D54DCBDE-7613-405C-8C62-73F0227E5FB0}">
   <ds:schemaRefs>
     <ds:schemaRef ds:uri="http://schemas.microsoft.com/office/infopath/2007/PartnerControls"/>
@@ -11136,4 +11106,31 @@
     <ds:schemaRef ds:uri="3af99e43-9d1b-47f0-a012-42c2c9480d00"/>
   </ds:schemaRefs>
 </ds:datastoreItem>
+</file>
+
+<file path=customXml/itemProps2.xml><?xml version="1.0" encoding="utf-8"?>
+<ds:datastoreItem xmlns:ds="http://schemas.openxmlformats.org/officeDocument/2006/customXml" ds:itemID="{59A9C3E0-BF9D-4BC7-B6D2-E6694BD6AA81}">
+  <ds:schemaRefs>
+    <ds:schemaRef ds:uri="http://schemas.microsoft.com/sharepoint/v3/contenttype/forms"/>
+  </ds:schemaRefs>
+</ds:datastoreItem>
+</file>
+
+<file path=customXml/itemProps3.xml><?xml version="1.0" encoding="utf-8"?>
+<ds:datastoreItem xmlns:ds="http://schemas.openxmlformats.org/officeDocument/2006/customXml" ds:itemID="{A3206651-41BC-438C-AC42-722C04C4F8DF}">
+  <ds:schemaRefs>
+    <ds:schemaRef ds:uri="http://schemas.microsoft.com/office/2006/metadata/contentType"/>
+    <ds:schemaRef ds:uri="http://schemas.microsoft.com/office/2006/metadata/properties/metaAttributes"/>
+    <ds:schemaRef ds:uri="http://www.w3.org/2001/XMLSchema"/>
+    <ds:schemaRef ds:uri="http://schemas.microsoft.com/office/2006/metadata/properties"/>
+    <ds:schemaRef ds:uri="e317b0e9-28fd-415b-9d0c-f3a0f6f6407d"/>
+    <ds:schemaRef ds:uri="3af99e43-9d1b-47f0-a012-42c2c9480d00"/>
+    <ds:schemaRef ds:uri="http://schemas.microsoft.com/office/2006/documentManagement/types"/>
+    <ds:schemaRef ds:uri="http://schemas.microsoft.com/office/infopath/2007/PartnerControls"/>
+    <ds:schemaRef ds:uri="http://schemas.openxmlformats.org/package/2006/metadata/core-properties"/>
+    <ds:schemaRef ds:uri="http://purl.org/dc/elements/1.1/"/>
+    <ds:schemaRef ds:uri="http://purl.org/dc/terms/"/>
+    <ds:schemaRef ds:uri="http://schemas.microsoft.com/internal/obd"/>
+  </ds:schemaRefs>
+</ds:datastoreItem>
 </file>
--- a/01_NotasDeClase/Fundamentos_MPT_0.pptx
+++ b/01_NotasDeClase/Fundamentos_MPT_0.pptx
@@ -8758,16 +8758,24 @@
             </a:pPr>
             <a:r>
               <a:rPr lang="es-MX" b="0" dirty="0"/>
-              <a:t>Éste es un curso esencialmente aplicado: John Aguirre se encargará de ilustrar los procedimientos diseñados a reproducir un ejercicio de toma de decisión de política monetaria. Para ello se simulan distintos choques macroeconómicos y las respuestas de política monetaria. Se utilizan librerías desarrolladas </a:t>
-            </a:r>
-            <a:r>
-              <a:rPr lang="es-MX" b="0"/>
-              <a:t>en Python.</a:t>
-            </a:r>
-            <a:endParaRPr lang="es-MX" b="0" dirty="0"/>
-          </a:p>
-          <a:p>
-            <a:pPr algn="just"/>
+              <a:t>Éste es un curso esencialmente aplicado: John Aguirre se encargará de ilustrar los procedimientos diseñados a reproducir un ejercicio de toma de decisión de política monetaria. Para ello se simulan distintos choques macroeconómicos y las respuestas de política monetaria. Se utilizan librerías desarrolladas en Python.</a:t>
+            </a:r>
+          </a:p>
+          <a:p>
+            <a:pPr marL="285750" indent="-285750" algn="just">
+              <a:buFont typeface="Arial" panose="020B0604020202020204" pitchFamily="34" charset="0"/>
+              <a:buChar char="•"/>
+            </a:pPr>
+            <a:r>
+              <a:rPr lang="es-MX" b="0" dirty="0"/>
+              <a:t>Repositorio: </a:t>
+            </a:r>
+            <a:r>
+              <a:rPr lang="es-MX" b="0" dirty="0">
+                <a:hlinkClick r:id="rId2"/>
+              </a:rPr>
+              <a:t>https://github.com/RondasDMM/CUECOPolMon</a:t>
+            </a:r>
             <a:endParaRPr lang="es-PE" dirty="0"/>
           </a:p>
           <a:p>
@@ -10840,26 +10848,6 @@
 </file>
 
 <file path=customXml/item1.xml><?xml version="1.0" encoding="utf-8"?>
-<p:properties xmlns:p="http://schemas.microsoft.com/office/2006/metadata/properties" xmlns:xsi="http://www.w3.org/2001/XMLSchema-instance" xmlns:pc="http://schemas.microsoft.com/office/infopath/2007/PartnerControls">
-  <documentManagement>
-    <lcf76f155ced4ddcb4097134ff3c332f xmlns="e317b0e9-28fd-415b-9d0c-f3a0f6f6407d">
-      <Terms xmlns="http://schemas.microsoft.com/office/infopath/2007/PartnerControls"/>
-    </lcf76f155ced4ddcb4097134ff3c332f>
-    <TaxCatchAll xmlns="3af99e43-9d1b-47f0-a012-42c2c9480d00" xsi:nil="true"/>
-  </documentManagement>
-</p:properties>
-</file>
-
-<file path=customXml/item2.xml><?xml version="1.0" encoding="utf-8"?>
-<?mso-contentType ?>
-<FormTemplates xmlns="http://schemas.microsoft.com/sharepoint/v3/contenttype/forms">
-  <Display>DocumentLibraryForm</Display>
-  <Edit>DocumentLibraryForm</Edit>
-  <New>DocumentLibraryForm</New>
-</FormTemplates>
-</file>
-
-<file path=customXml/item3.xml><?xml version="1.0" encoding="utf-8"?>
 <ct:contentTypeSchema xmlns:ct="http://schemas.microsoft.com/office/2006/metadata/contentType" xmlns:ma="http://schemas.microsoft.com/office/2006/metadata/properties/metaAttributes" ct:_="" ma:_="" ma:contentTypeName="Documento" ma:contentTypeID="0x010100A95F695341A2644683A40A4AE0B8881B" ma:contentTypeVersion="14" ma:contentTypeDescription="Crear nuevo documento." ma:contentTypeScope="" ma:versionID="c6d0481b202fb9895a69f59a54378a64">
   <xsd:schema xmlns:xsd="http://www.w3.org/2001/XMLSchema" xmlns:xs="http://www.w3.org/2001/XMLSchema" xmlns:p="http://schemas.microsoft.com/office/2006/metadata/properties" xmlns:ns2="e317b0e9-28fd-415b-9d0c-f3a0f6f6407d" xmlns:ns3="3af99e43-9d1b-47f0-a012-42c2c9480d00" targetNamespace="http://schemas.microsoft.com/office/2006/metadata/properties" ma:root="true" ma:fieldsID="096c6b007b696167ce19ffe8ae0d3395" ns2:_="" ns3:_="">
     <xsd:import namespace="e317b0e9-28fd-415b-9d0c-f3a0f6f6407d"/>
@@ -11088,7 +11076,54 @@
 </ct:contentTypeSchema>
 </file>
 
+<file path=customXml/item2.xml><?xml version="1.0" encoding="utf-8"?>
+<?mso-contentType ?>
+<FormTemplates xmlns="http://schemas.microsoft.com/sharepoint/v3/contenttype/forms">
+  <Display>DocumentLibraryForm</Display>
+  <Edit>DocumentLibraryForm</Edit>
+  <New>DocumentLibraryForm</New>
+</FormTemplates>
+</file>
+
+<file path=customXml/item3.xml><?xml version="1.0" encoding="utf-8"?>
+<p:properties xmlns:p="http://schemas.microsoft.com/office/2006/metadata/properties" xmlns:xsi="http://www.w3.org/2001/XMLSchema-instance" xmlns:pc="http://schemas.microsoft.com/office/infopath/2007/PartnerControls">
+  <documentManagement>
+    <lcf76f155ced4ddcb4097134ff3c332f xmlns="e317b0e9-28fd-415b-9d0c-f3a0f6f6407d">
+      <Terms xmlns="http://schemas.microsoft.com/office/infopath/2007/PartnerControls"/>
+    </lcf76f155ced4ddcb4097134ff3c332f>
+    <TaxCatchAll xmlns="3af99e43-9d1b-47f0-a012-42c2c9480d00" xsi:nil="true"/>
+  </documentManagement>
+</p:properties>
+</file>
+
 <file path=customXml/itemProps1.xml><?xml version="1.0" encoding="utf-8"?>
+<ds:datastoreItem xmlns:ds="http://schemas.openxmlformats.org/officeDocument/2006/customXml" ds:itemID="{A3206651-41BC-438C-AC42-722C04C4F8DF}">
+  <ds:schemaRefs>
+    <ds:schemaRef ds:uri="http://schemas.microsoft.com/office/2006/metadata/contentType"/>
+    <ds:schemaRef ds:uri="http://schemas.microsoft.com/office/2006/metadata/properties/metaAttributes"/>
+    <ds:schemaRef ds:uri="http://www.w3.org/2001/XMLSchema"/>
+    <ds:schemaRef ds:uri="http://schemas.microsoft.com/office/2006/metadata/properties"/>
+    <ds:schemaRef ds:uri="e317b0e9-28fd-415b-9d0c-f3a0f6f6407d"/>
+    <ds:schemaRef ds:uri="3af99e43-9d1b-47f0-a012-42c2c9480d00"/>
+    <ds:schemaRef ds:uri="http://schemas.microsoft.com/office/2006/documentManagement/types"/>
+    <ds:schemaRef ds:uri="http://schemas.microsoft.com/office/infopath/2007/PartnerControls"/>
+    <ds:schemaRef ds:uri="http://schemas.openxmlformats.org/package/2006/metadata/core-properties"/>
+    <ds:schemaRef ds:uri="http://purl.org/dc/elements/1.1/"/>
+    <ds:schemaRef ds:uri="http://purl.org/dc/terms/"/>
+    <ds:schemaRef ds:uri="http://schemas.microsoft.com/internal/obd"/>
+  </ds:schemaRefs>
+</ds:datastoreItem>
+</file>
+
+<file path=customXml/itemProps2.xml><?xml version="1.0" encoding="utf-8"?>
+<ds:datastoreItem xmlns:ds="http://schemas.openxmlformats.org/officeDocument/2006/customXml" ds:itemID="{59A9C3E0-BF9D-4BC7-B6D2-E6694BD6AA81}">
+  <ds:schemaRefs>
+    <ds:schemaRef ds:uri="http://schemas.microsoft.com/sharepoint/v3/contenttype/forms"/>
+  </ds:schemaRefs>
+</ds:datastoreItem>
+</file>
+
+<file path=customXml/itemProps3.xml><?xml version="1.0" encoding="utf-8"?>
 <ds:datastoreItem xmlns:ds="http://schemas.openxmlformats.org/officeDocument/2006/customXml" ds:itemID="{D54DCBDE-7613-405C-8C62-73F0227E5FB0}">
   <ds:schemaRefs>
     <ds:schemaRef ds:uri="http://schemas.microsoft.com/office/infopath/2007/PartnerControls"/>
@@ -11106,31 +11141,4 @@
     <ds:schemaRef ds:uri="3af99e43-9d1b-47f0-a012-42c2c9480d00"/>
   </ds:schemaRefs>
 </ds:datastoreItem>
-</file>
-
-<file path=customXml/itemProps2.xml><?xml version="1.0" encoding="utf-8"?>
-<ds:datastoreItem xmlns:ds="http://schemas.openxmlformats.org/officeDocument/2006/customXml" ds:itemID="{59A9C3E0-BF9D-4BC7-B6D2-E6694BD6AA81}">
-  <ds:schemaRefs>
-    <ds:schemaRef ds:uri="http://schemas.microsoft.com/sharepoint/v3/contenttype/forms"/>
-  </ds:schemaRefs>
-</ds:datastoreItem>
-</file>
-
-<file path=customXml/itemProps3.xml><?xml version="1.0" encoding="utf-8"?>
-<ds:datastoreItem xmlns:ds="http://schemas.openxmlformats.org/officeDocument/2006/customXml" ds:itemID="{A3206651-41BC-438C-AC42-722C04C4F8DF}">
-  <ds:schemaRefs>
-    <ds:schemaRef ds:uri="http://schemas.microsoft.com/office/2006/metadata/contentType"/>
-    <ds:schemaRef ds:uri="http://schemas.microsoft.com/office/2006/metadata/properties/metaAttributes"/>
-    <ds:schemaRef ds:uri="http://www.w3.org/2001/XMLSchema"/>
-    <ds:schemaRef ds:uri="http://schemas.microsoft.com/office/2006/metadata/properties"/>
-    <ds:schemaRef ds:uri="e317b0e9-28fd-415b-9d0c-f3a0f6f6407d"/>
-    <ds:schemaRef ds:uri="3af99e43-9d1b-47f0-a012-42c2c9480d00"/>
-    <ds:schemaRef ds:uri="http://schemas.microsoft.com/office/2006/documentManagement/types"/>
-    <ds:schemaRef ds:uri="http://schemas.microsoft.com/office/infopath/2007/PartnerControls"/>
-    <ds:schemaRef ds:uri="http://schemas.openxmlformats.org/package/2006/metadata/core-properties"/>
-    <ds:schemaRef ds:uri="http://purl.org/dc/elements/1.1/"/>
-    <ds:schemaRef ds:uri="http://purl.org/dc/terms/"/>
-    <ds:schemaRef ds:uri="http://schemas.microsoft.com/internal/obd"/>
-  </ds:schemaRefs>
-</ds:datastoreItem>
 </file>